--- a/Class8/Week 8 JSON Arrays Functions Files.pptx
+++ b/Class8/Week 8 JSON Arrays Functions Files.pptx
@@ -272,7 +272,7 @@
           <a:p>
             <a:fld id="{5F63E51D-2DC4-4313-836C-CA52FD6E6D96}" type="datetimeFigureOut">
               <a:rPr lang="en-CA" smtClean="0"/>
-              <a:t>2023-03-28</a:t>
+              <a:t>2023-03-30</a:t>
             </a:fld>
             <a:endParaRPr lang="en-CA"/>
           </a:p>
@@ -472,7 +472,7 @@
           <a:p>
             <a:fld id="{5F63E51D-2DC4-4313-836C-CA52FD6E6D96}" type="datetimeFigureOut">
               <a:rPr lang="en-CA" smtClean="0"/>
-              <a:t>2023-03-28</a:t>
+              <a:t>2023-03-30</a:t>
             </a:fld>
             <a:endParaRPr lang="en-CA"/>
           </a:p>
@@ -682,7 +682,7 @@
           <a:p>
             <a:fld id="{5F63E51D-2DC4-4313-836C-CA52FD6E6D96}" type="datetimeFigureOut">
               <a:rPr lang="en-CA" smtClean="0"/>
-              <a:t>2023-03-28</a:t>
+              <a:t>2023-03-30</a:t>
             </a:fld>
             <a:endParaRPr lang="en-CA"/>
           </a:p>
@@ -882,7 +882,7 @@
           <a:p>
             <a:fld id="{5F63E51D-2DC4-4313-836C-CA52FD6E6D96}" type="datetimeFigureOut">
               <a:rPr lang="en-CA" smtClean="0"/>
-              <a:t>2023-03-28</a:t>
+              <a:t>2023-03-30</a:t>
             </a:fld>
             <a:endParaRPr lang="en-CA"/>
           </a:p>
@@ -1158,7 +1158,7 @@
           <a:p>
             <a:fld id="{5F63E51D-2DC4-4313-836C-CA52FD6E6D96}" type="datetimeFigureOut">
               <a:rPr lang="en-CA" smtClean="0"/>
-              <a:t>2023-03-28</a:t>
+              <a:t>2023-03-30</a:t>
             </a:fld>
             <a:endParaRPr lang="en-CA"/>
           </a:p>
@@ -1426,7 +1426,7 @@
           <a:p>
             <a:fld id="{5F63E51D-2DC4-4313-836C-CA52FD6E6D96}" type="datetimeFigureOut">
               <a:rPr lang="en-CA" smtClean="0"/>
-              <a:t>2023-03-28</a:t>
+              <a:t>2023-03-30</a:t>
             </a:fld>
             <a:endParaRPr lang="en-CA"/>
           </a:p>
@@ -1841,7 +1841,7 @@
           <a:p>
             <a:fld id="{5F63E51D-2DC4-4313-836C-CA52FD6E6D96}" type="datetimeFigureOut">
               <a:rPr lang="en-CA" smtClean="0"/>
-              <a:t>2023-03-28</a:t>
+              <a:t>2023-03-30</a:t>
             </a:fld>
             <a:endParaRPr lang="en-CA"/>
           </a:p>
@@ -1983,7 +1983,7 @@
           <a:p>
             <a:fld id="{5F63E51D-2DC4-4313-836C-CA52FD6E6D96}" type="datetimeFigureOut">
               <a:rPr lang="en-CA" smtClean="0"/>
-              <a:t>2023-03-28</a:t>
+              <a:t>2023-03-30</a:t>
             </a:fld>
             <a:endParaRPr lang="en-CA"/>
           </a:p>
@@ -2096,7 +2096,7 @@
           <a:p>
             <a:fld id="{5F63E51D-2DC4-4313-836C-CA52FD6E6D96}" type="datetimeFigureOut">
               <a:rPr lang="en-CA" smtClean="0"/>
-              <a:t>2023-03-28</a:t>
+              <a:t>2023-03-30</a:t>
             </a:fld>
             <a:endParaRPr lang="en-CA"/>
           </a:p>
@@ -2409,7 +2409,7 @@
           <a:p>
             <a:fld id="{5F63E51D-2DC4-4313-836C-CA52FD6E6D96}" type="datetimeFigureOut">
               <a:rPr lang="en-CA" smtClean="0"/>
-              <a:t>2023-03-28</a:t>
+              <a:t>2023-03-30</a:t>
             </a:fld>
             <a:endParaRPr lang="en-CA"/>
           </a:p>
@@ -2698,7 +2698,7 @@
           <a:p>
             <a:fld id="{5F63E51D-2DC4-4313-836C-CA52FD6E6D96}" type="datetimeFigureOut">
               <a:rPr lang="en-CA" smtClean="0"/>
-              <a:t>2023-03-28</a:t>
+              <a:t>2023-03-30</a:t>
             </a:fld>
             <a:endParaRPr lang="en-CA"/>
           </a:p>
@@ -2941,7 +2941,7 @@
           <a:p>
             <a:fld id="{5F63E51D-2DC4-4313-836C-CA52FD6E6D96}" type="datetimeFigureOut">
               <a:rPr lang="en-CA" smtClean="0"/>
-              <a:t>2023-03-28</a:t>
+              <a:t>2023-03-30</a:t>
             </a:fld>
             <a:endParaRPr lang="en-CA"/>
           </a:p>
@@ -4361,7 +4361,7 @@
                 <a:latin typeface="Courier New" panose="02070309020205020404" pitchFamily="49" charset="0"/>
                 <a:cs typeface="Courier New" panose="02070309020205020404" pitchFamily="49" charset="0"/>
               </a:rPr>
-              <a:t>  {id: 10, instrument: 'Tenor Banjo', </a:t>
+              <a:t>  {id: 10, instrument: 'Tenor Banjo’,</a:t>
             </a:r>
             <a:r>
               <a:rPr lang="en-CA" sz="2400" dirty="0" err="1">
